--- a/ppt/2022.03.29GOLD数据库构建流程以及数据情况.pptx
+++ b/ppt/2022.03.29GOLD数据库构建流程以及数据情况.pptx
@@ -6373,7 +6373,7 @@
             </a:r>
             <a:r>
               <a:rPr lang="en-US" altLang="zh-CN" dirty="0"/>
-              <a:t>phage </a:t>
+              <a:t>phage name</a:t>
             </a:r>
             <a:r>
               <a:rPr lang="zh-CN" altLang="en-US" dirty="0"/>
